--- a/Les 2A - Reactietijdenspel met de eend/Scratch 2/Wat hebben we geleerd in de les programmeren.pptx
+++ b/Les 2A - Reactietijdenspel met de eend/Scratch 2/Wat hebben we geleerd in de les programmeren.pptx
@@ -6,8 +6,9 @@
   </p:sldMasterIdLst>
   <p:sldIdLst>
     <p:sldId id="256" r:id="rId2"/>
-    <p:sldId id="257" r:id="rId3"/>
-    <p:sldId id="258" r:id="rId4"/>
+    <p:sldId id="259" r:id="rId3"/>
+    <p:sldId id="257" r:id="rId4"/>
+    <p:sldId id="258" r:id="rId5"/>
   </p:sldIdLst>
   <p:sldSz cx="9144000" cy="6858000" type="screen4x3"/>
   <p:notesSz cx="6858000" cy="9144000"/>
@@ -283,7 +284,7 @@
             <a:fld id="{8638F0FA-503B-447F-A02E-6BF1D880434F}" type="datetimeFigureOut">
               <a:rPr lang="nl-NL" smtClean="0"/>
               <a:pPr/>
-              <a:t>17-11-2018</a:t>
+              <a:t>18-11-2018</a:t>
             </a:fld>
             <a:endParaRPr lang="nl-NL"/>
           </a:p>
@@ -450,7 +451,7 @@
             <a:fld id="{8638F0FA-503B-447F-A02E-6BF1D880434F}" type="datetimeFigureOut">
               <a:rPr lang="nl-NL" smtClean="0"/>
               <a:pPr/>
-              <a:t>17-11-2018</a:t>
+              <a:t>18-11-2018</a:t>
             </a:fld>
             <a:endParaRPr lang="nl-NL"/>
           </a:p>
@@ -627,7 +628,7 @@
             <a:fld id="{8638F0FA-503B-447F-A02E-6BF1D880434F}" type="datetimeFigureOut">
               <a:rPr lang="nl-NL" smtClean="0"/>
               <a:pPr/>
-              <a:t>17-11-2018</a:t>
+              <a:t>18-11-2018</a:t>
             </a:fld>
             <a:endParaRPr lang="nl-NL"/>
           </a:p>
@@ -794,7 +795,7 @@
             <a:fld id="{8638F0FA-503B-447F-A02E-6BF1D880434F}" type="datetimeFigureOut">
               <a:rPr lang="nl-NL" smtClean="0"/>
               <a:pPr/>
-              <a:t>17-11-2018</a:t>
+              <a:t>18-11-2018</a:t>
             </a:fld>
             <a:endParaRPr lang="nl-NL"/>
           </a:p>
@@ -1038,7 +1039,7 @@
             <a:fld id="{8638F0FA-503B-447F-A02E-6BF1D880434F}" type="datetimeFigureOut">
               <a:rPr lang="nl-NL" smtClean="0"/>
               <a:pPr/>
-              <a:t>17-11-2018</a:t>
+              <a:t>18-11-2018</a:t>
             </a:fld>
             <a:endParaRPr lang="nl-NL"/>
           </a:p>
@@ -1304,7 +1305,7 @@
             <a:fld id="{8638F0FA-503B-447F-A02E-6BF1D880434F}" type="datetimeFigureOut">
               <a:rPr lang="nl-NL" smtClean="0"/>
               <a:pPr/>
-              <a:t>17-11-2018</a:t>
+              <a:t>18-11-2018</a:t>
             </a:fld>
             <a:endParaRPr lang="nl-NL"/>
           </a:p>
@@ -1684,7 +1685,7 @@
             <a:fld id="{8638F0FA-503B-447F-A02E-6BF1D880434F}" type="datetimeFigureOut">
               <a:rPr lang="nl-NL" smtClean="0"/>
               <a:pPr/>
-              <a:t>17-11-2018</a:t>
+              <a:t>18-11-2018</a:t>
             </a:fld>
             <a:endParaRPr lang="nl-NL"/>
           </a:p>
@@ -1836,7 +1837,7 @@
             <a:fld id="{8638F0FA-503B-447F-A02E-6BF1D880434F}" type="datetimeFigureOut">
               <a:rPr lang="nl-NL" smtClean="0"/>
               <a:pPr/>
-              <a:t>17-11-2018</a:t>
+              <a:t>18-11-2018</a:t>
             </a:fld>
             <a:endParaRPr lang="nl-NL"/>
           </a:p>
@@ -1928,7 +1929,7 @@
             <a:fld id="{8638F0FA-503B-447F-A02E-6BF1D880434F}" type="datetimeFigureOut">
               <a:rPr lang="nl-NL" smtClean="0"/>
               <a:pPr/>
-              <a:t>17-11-2018</a:t>
+              <a:t>18-11-2018</a:t>
             </a:fld>
             <a:endParaRPr lang="nl-NL"/>
           </a:p>
@@ -2191,7 +2192,7 @@
             <a:fld id="{8638F0FA-503B-447F-A02E-6BF1D880434F}" type="datetimeFigureOut">
               <a:rPr lang="nl-NL" smtClean="0"/>
               <a:pPr/>
-              <a:t>17-11-2018</a:t>
+              <a:t>18-11-2018</a:t>
             </a:fld>
             <a:endParaRPr lang="nl-NL"/>
           </a:p>
@@ -2481,7 +2482,7 @@
             <a:fld id="{8638F0FA-503B-447F-A02E-6BF1D880434F}" type="datetimeFigureOut">
               <a:rPr lang="nl-NL" smtClean="0"/>
               <a:pPr/>
-              <a:t>17-11-2018</a:t>
+              <a:t>18-11-2018</a:t>
             </a:fld>
             <a:endParaRPr lang="nl-NL"/>
           </a:p>
@@ -3254,7 +3255,7 @@
             <a:fld id="{8638F0FA-503B-447F-A02E-6BF1D880434F}" type="datetimeFigureOut">
               <a:rPr lang="nl-NL" smtClean="0"/>
               <a:pPr/>
-              <a:t>17-11-2018</a:t>
+              <a:t>18-11-2018</a:t>
             </a:fld>
             <a:endParaRPr lang="nl-NL"/>
           </a:p>
@@ -3983,10 +3984,6 @@
           <a:bodyPr/>
           <a:lstStyle/>
           <a:p>
-            <a:r>
-              <a:rPr lang="en-US" dirty="0" err="1" smtClean="0"/>
-              <a:t>Programmeren</a:t>
-            </a:r>
             <a:endParaRPr lang="nl-NL" dirty="0"/>
           </a:p>
         </p:txBody>
@@ -4003,277 +4000,46 @@
         </p:nvSpPr>
         <p:spPr/>
         <p:txBody>
-          <a:bodyPr>
-            <a:normAutofit fontScale="92500"/>
-          </a:bodyPr>
-          <a:lstStyle/>
-          <a:p>
-            <a:r>
-              <a:rPr lang="en-US" dirty="0" err="1" smtClean="0"/>
-              <a:t>Programmeertaal</a:t>
-            </a:r>
-            <a:r>
-              <a:rPr lang="en-US" dirty="0" smtClean="0"/>
-              <a:t> Scratch</a:t>
-            </a:r>
-          </a:p>
-          <a:p>
-            <a:r>
-              <a:rPr lang="en-US" dirty="0" smtClean="0"/>
-              <a:t>Je </a:t>
-            </a:r>
-            <a:r>
-              <a:rPr lang="en-US" dirty="0" err="1" smtClean="0"/>
-              <a:t>kunt</a:t>
-            </a:r>
-            <a:r>
-              <a:rPr lang="en-US" dirty="0" smtClean="0"/>
-              <a:t> </a:t>
-            </a:r>
-            <a:r>
-              <a:rPr lang="en-US" dirty="0" err="1" smtClean="0"/>
-              <a:t>animaties</a:t>
-            </a:r>
-            <a:r>
-              <a:rPr lang="en-US" dirty="0" smtClean="0"/>
-              <a:t> </a:t>
-            </a:r>
-            <a:r>
-              <a:rPr lang="en-US" dirty="0" err="1" smtClean="0"/>
-              <a:t>maken</a:t>
-            </a:r>
-            <a:endParaRPr lang="en-US" dirty="0" smtClean="0"/>
-          </a:p>
-          <a:p>
-            <a:r>
-              <a:rPr lang="en-US" dirty="0" smtClean="0"/>
-              <a:t>Je </a:t>
-            </a:r>
-            <a:r>
-              <a:rPr lang="en-US" dirty="0" err="1" smtClean="0"/>
-              <a:t>kunt</a:t>
-            </a:r>
-            <a:r>
-              <a:rPr lang="en-US" dirty="0" smtClean="0"/>
-              <a:t> de </a:t>
-            </a:r>
-            <a:r>
-              <a:rPr lang="en-US" dirty="0" err="1" smtClean="0"/>
-              <a:t>echte</a:t>
-            </a:r>
-            <a:r>
-              <a:rPr lang="en-US" dirty="0" smtClean="0"/>
-              <a:t> </a:t>
-            </a:r>
-            <a:r>
-              <a:rPr lang="en-US" dirty="0" err="1" smtClean="0"/>
-              <a:t>wereld</a:t>
-            </a:r>
-            <a:r>
-              <a:rPr lang="en-US" dirty="0" smtClean="0"/>
-              <a:t> </a:t>
-            </a:r>
-            <a:r>
-              <a:rPr lang="en-US" dirty="0" err="1" smtClean="0"/>
-              <a:t>besturen</a:t>
-            </a:r>
-            <a:endParaRPr lang="en-US" dirty="0" smtClean="0"/>
-          </a:p>
-          <a:p>
-            <a:r>
-              <a:rPr lang="en-US" dirty="0" err="1" smtClean="0"/>
-              <a:t>Bewegingen</a:t>
-            </a:r>
-            <a:endParaRPr lang="en-US" dirty="0" smtClean="0"/>
-          </a:p>
-          <a:p>
-            <a:r>
-              <a:rPr lang="en-US" dirty="0" err="1" smtClean="0"/>
-              <a:t>Berichten</a:t>
-            </a:r>
-            <a:r>
-              <a:rPr lang="en-US" dirty="0" smtClean="0"/>
-              <a:t> </a:t>
-            </a:r>
-            <a:r>
-              <a:rPr lang="en-US" dirty="0" err="1" smtClean="0"/>
-              <a:t>sturen</a:t>
-            </a:r>
-            <a:r>
-              <a:rPr lang="en-US" dirty="0" smtClean="0"/>
-              <a:t> </a:t>
-            </a:r>
-            <a:r>
-              <a:rPr lang="en-US" dirty="0" err="1" smtClean="0"/>
-              <a:t>tussen</a:t>
-            </a:r>
-            <a:r>
-              <a:rPr lang="en-US" dirty="0" smtClean="0"/>
-              <a:t> sprites</a:t>
-            </a:r>
-          </a:p>
-          <a:p>
-            <a:r>
-              <a:rPr lang="en-US" dirty="0" err="1" smtClean="0"/>
-              <a:t>Reageren</a:t>
-            </a:r>
-            <a:r>
-              <a:rPr lang="en-US" dirty="0" smtClean="0"/>
-              <a:t> op </a:t>
-            </a:r>
-            <a:r>
-              <a:rPr lang="en-US" dirty="0" err="1" smtClean="0"/>
-              <a:t>toetsen</a:t>
-            </a:r>
-            <a:endParaRPr lang="en-US" dirty="0" smtClean="0"/>
-          </a:p>
-          <a:p>
-            <a:r>
-              <a:rPr lang="en-US" dirty="0" smtClean="0"/>
-              <a:t>Je </a:t>
-            </a:r>
-            <a:r>
-              <a:rPr lang="en-US" dirty="0" err="1" smtClean="0"/>
-              <a:t>kunt</a:t>
-            </a:r>
-            <a:r>
-              <a:rPr lang="en-US" dirty="0" smtClean="0"/>
-              <a:t> het </a:t>
-            </a:r>
-            <a:r>
-              <a:rPr lang="en-US" dirty="0" err="1" smtClean="0"/>
-              <a:t>thuis</a:t>
-            </a:r>
-            <a:r>
-              <a:rPr lang="en-US" dirty="0" smtClean="0"/>
-              <a:t> </a:t>
-            </a:r>
-            <a:r>
-              <a:rPr lang="en-US" dirty="0" err="1" smtClean="0"/>
-              <a:t>ook</a:t>
-            </a:r>
-            <a:endParaRPr lang="en-US" dirty="0" smtClean="0"/>
-          </a:p>
-          <a:p>
-            <a:r>
-              <a:rPr lang="en-US" dirty="0" smtClean="0"/>
-              <a:t>Net </a:t>
-            </a:r>
-            <a:r>
-              <a:rPr lang="en-US" dirty="0" err="1" smtClean="0"/>
-              <a:t>zoals</a:t>
-            </a:r>
-            <a:r>
-              <a:rPr lang="en-US" dirty="0" smtClean="0"/>
-              <a:t> </a:t>
-            </a:r>
-            <a:r>
-              <a:rPr lang="en-US" dirty="0" err="1" smtClean="0"/>
-              <a:t>taal</a:t>
-            </a:r>
-            <a:r>
-              <a:rPr lang="en-US" dirty="0" smtClean="0"/>
-              <a:t> </a:t>
-            </a:r>
-            <a:r>
-              <a:rPr lang="en-US" dirty="0" err="1" smtClean="0"/>
-              <a:t>gebruikt</a:t>
-            </a:r>
-            <a:r>
-              <a:rPr lang="en-US" dirty="0" smtClean="0"/>
-              <a:t> </a:t>
-            </a:r>
-            <a:r>
-              <a:rPr lang="en-US" dirty="0" err="1" smtClean="0"/>
-              <a:t>wordt</a:t>
-            </a:r>
-            <a:r>
-              <a:rPr lang="en-US" dirty="0" smtClean="0"/>
-              <a:t> </a:t>
-            </a:r>
-            <a:r>
-              <a:rPr lang="en-US" dirty="0" err="1" smtClean="0"/>
-              <a:t>voor</a:t>
-            </a:r>
-            <a:r>
-              <a:rPr lang="en-US" dirty="0" smtClean="0"/>
-              <a:t> </a:t>
-            </a:r>
-            <a:r>
-              <a:rPr lang="en-US" dirty="0" err="1" smtClean="0"/>
-              <a:t>creativiteit</a:t>
-            </a:r>
-            <a:r>
-              <a:rPr lang="en-US" dirty="0" smtClean="0"/>
-              <a:t> (</a:t>
-            </a:r>
-            <a:r>
-              <a:rPr lang="en-US" dirty="0" err="1" smtClean="0"/>
-              <a:t>bijvoorbeeld</a:t>
-            </a:r>
-            <a:r>
-              <a:rPr lang="en-US" dirty="0" smtClean="0"/>
-              <a:t> </a:t>
-            </a:r>
-            <a:r>
-              <a:rPr lang="en-US" dirty="0" err="1" smtClean="0"/>
-              <a:t>gedichten</a:t>
-            </a:r>
-            <a:r>
-              <a:rPr lang="en-US" dirty="0" smtClean="0"/>
-              <a:t>) </a:t>
-            </a:r>
-            <a:r>
-              <a:rPr lang="en-US" dirty="0" err="1" smtClean="0"/>
-              <a:t>kan</a:t>
-            </a:r>
-            <a:r>
-              <a:rPr lang="en-US" dirty="0" smtClean="0"/>
-              <a:t> </a:t>
-            </a:r>
-            <a:r>
-              <a:rPr lang="en-US" dirty="0" err="1" smtClean="0"/>
-              <a:t>programmeren</a:t>
-            </a:r>
-            <a:r>
-              <a:rPr lang="en-US" dirty="0" smtClean="0"/>
-              <a:t> </a:t>
-            </a:r>
-            <a:r>
-              <a:rPr lang="en-US" dirty="0" err="1" smtClean="0"/>
-              <a:t>voor</a:t>
-            </a:r>
-            <a:r>
-              <a:rPr lang="en-US" dirty="0" smtClean="0"/>
-              <a:t> </a:t>
-            </a:r>
-            <a:r>
-              <a:rPr lang="en-US" dirty="0" err="1" smtClean="0"/>
-              <a:t>creativiteit</a:t>
-            </a:r>
-            <a:r>
-              <a:rPr lang="en-US" dirty="0" smtClean="0"/>
-              <a:t> </a:t>
-            </a:r>
-            <a:r>
-              <a:rPr lang="en-US" dirty="0" err="1" smtClean="0"/>
-              <a:t>gebruikt</a:t>
-            </a:r>
-            <a:r>
-              <a:rPr lang="en-US" dirty="0" smtClean="0"/>
-              <a:t> </a:t>
-            </a:r>
-            <a:r>
-              <a:rPr lang="en-US" dirty="0" err="1" smtClean="0"/>
-              <a:t>worden</a:t>
-            </a:r>
+          <a:bodyPr/>
+          <a:lstStyle/>
+          <a:p>
+            <a:pPr lvl="1"/>
             <a:r>
               <a:rPr lang="nl-NL" dirty="0" smtClean="0"/>
-              <a:t> (bijvoorbeeld werkstukken voor school)</a:t>
-            </a:r>
-          </a:p>
-          <a:p>
-            <a:endParaRPr lang="en-US" dirty="0" smtClean="0"/>
+              <a:t>Zet je beeldscherm op armlengte afstand.</a:t>
+            </a:r>
+          </a:p>
+          <a:p>
+            <a:pPr lvl="1"/>
+            <a:r>
+              <a:rPr lang="nl-NL" dirty="0" smtClean="0"/>
+              <a:t>Zorg voor een goede ondersteuning van je onderarmen.</a:t>
+            </a:r>
+          </a:p>
+          <a:p>
+            <a:pPr lvl="1"/>
+            <a:r>
+              <a:rPr lang="nl-NL" dirty="0" smtClean="0"/>
+              <a:t>Als je alleen de muis gebruikt, geef hem dan alle ruimte.</a:t>
+            </a:r>
+          </a:p>
+          <a:p>
+            <a:pPr lvl="1"/>
+            <a:r>
+              <a:rPr lang="nl-NL" dirty="0" smtClean="0"/>
+              <a:t>Probeer links en rechts muizen af te wisselen.</a:t>
+            </a:r>
+          </a:p>
+          <a:p>
+            <a:pPr lvl="1"/>
+            <a:r>
+              <a:rPr lang="nl-NL" dirty="0" smtClean="0"/>
+              <a:t>Blijf niet te lang in één houding zitten, maar wissel af. En zorg voor voldoende beweging tussen het computeren door.</a:t>
+            </a:r>
+            <a:endParaRPr lang="nl-NL" smtClean="0"/>
+          </a:p>
+          <a:p>
+            <a:endParaRPr lang="nl-NL"/>
           </a:p>
         </p:txBody>
       </p:sp>
@@ -4286,6 +4052,340 @@
 </file>
 
 <file path=ppt/slides/slide3.xml><?xml version="1.0" encoding="utf-8"?>
+<p:sld xmlns:a="http://schemas.openxmlformats.org/drawingml/2006/main" xmlns:r="http://schemas.openxmlformats.org/officeDocument/2006/relationships" xmlns:p="http://schemas.openxmlformats.org/presentationml/2006/main">
+  <p:cSld>
+    <p:spTree>
+      <p:nvGrpSpPr>
+        <p:cNvPr id="1" name=""/>
+        <p:cNvGrpSpPr/>
+        <p:nvPr/>
+      </p:nvGrpSpPr>
+      <p:grpSpPr>
+        <a:xfrm>
+          <a:off x="0" y="0"/>
+          <a:ext cx="0" cy="0"/>
+          <a:chOff x="0" y="0"/>
+          <a:chExt cx="0" cy="0"/>
+        </a:xfrm>
+      </p:grpSpPr>
+      <p:sp>
+        <p:nvSpPr>
+          <p:cNvPr id="2" name="Titel 1"/>
+          <p:cNvSpPr>
+            <a:spLocks noGrp="1"/>
+          </p:cNvSpPr>
+          <p:nvPr>
+            <p:ph type="title"/>
+          </p:nvPr>
+        </p:nvSpPr>
+        <p:spPr/>
+        <p:txBody>
+          <a:bodyPr/>
+          <a:lstStyle/>
+          <a:p>
+            <a:r>
+              <a:rPr lang="en-US" dirty="0" err="1" smtClean="0"/>
+              <a:t>Programmeren</a:t>
+            </a:r>
+            <a:endParaRPr lang="nl-NL" dirty="0"/>
+          </a:p>
+        </p:txBody>
+      </p:sp>
+      <p:sp>
+        <p:nvSpPr>
+          <p:cNvPr id="3" name="Tijdelijke aanduiding voor inhoud 2"/>
+          <p:cNvSpPr>
+            <a:spLocks noGrp="1"/>
+          </p:cNvSpPr>
+          <p:nvPr>
+            <p:ph idx="1"/>
+          </p:nvPr>
+        </p:nvSpPr>
+        <p:spPr/>
+        <p:txBody>
+          <a:bodyPr>
+            <a:normAutofit fontScale="92500"/>
+          </a:bodyPr>
+          <a:lstStyle/>
+          <a:p>
+            <a:r>
+              <a:rPr lang="en-US" dirty="0" err="1" smtClean="0"/>
+              <a:t>Programmeertaal</a:t>
+            </a:r>
+            <a:r>
+              <a:rPr lang="en-US" dirty="0" smtClean="0"/>
+              <a:t> Scratch</a:t>
+            </a:r>
+          </a:p>
+          <a:p>
+            <a:r>
+              <a:rPr lang="en-US" dirty="0" smtClean="0"/>
+              <a:t>Je </a:t>
+            </a:r>
+            <a:r>
+              <a:rPr lang="en-US" dirty="0" err="1" smtClean="0"/>
+              <a:t>kunt</a:t>
+            </a:r>
+            <a:r>
+              <a:rPr lang="en-US" dirty="0" smtClean="0"/>
+              <a:t> </a:t>
+            </a:r>
+            <a:r>
+              <a:rPr lang="en-US" dirty="0" err="1" smtClean="0"/>
+              <a:t>animaties</a:t>
+            </a:r>
+            <a:r>
+              <a:rPr lang="en-US" dirty="0" smtClean="0"/>
+              <a:t> </a:t>
+            </a:r>
+            <a:r>
+              <a:rPr lang="en-US" dirty="0" err="1" smtClean="0"/>
+              <a:t>maken</a:t>
+            </a:r>
+            <a:endParaRPr lang="en-US" dirty="0" smtClean="0"/>
+          </a:p>
+          <a:p>
+            <a:r>
+              <a:rPr lang="en-US" dirty="0" smtClean="0"/>
+              <a:t>Je </a:t>
+            </a:r>
+            <a:r>
+              <a:rPr lang="en-US" dirty="0" err="1" smtClean="0"/>
+              <a:t>kunt</a:t>
+            </a:r>
+            <a:r>
+              <a:rPr lang="en-US" dirty="0" smtClean="0"/>
+              <a:t> de </a:t>
+            </a:r>
+            <a:r>
+              <a:rPr lang="en-US" dirty="0" err="1" smtClean="0"/>
+              <a:t>echte</a:t>
+            </a:r>
+            <a:r>
+              <a:rPr lang="en-US" dirty="0" smtClean="0"/>
+              <a:t> </a:t>
+            </a:r>
+            <a:r>
+              <a:rPr lang="en-US" dirty="0" err="1" smtClean="0"/>
+              <a:t>wereld</a:t>
+            </a:r>
+            <a:r>
+              <a:rPr lang="en-US" dirty="0" smtClean="0"/>
+              <a:t> </a:t>
+            </a:r>
+            <a:r>
+              <a:rPr lang="en-US" dirty="0" err="1" smtClean="0"/>
+              <a:t>besturen</a:t>
+            </a:r>
+            <a:endParaRPr lang="en-US" dirty="0" smtClean="0"/>
+          </a:p>
+          <a:p>
+            <a:r>
+              <a:rPr lang="en-US" dirty="0" err="1" smtClean="0"/>
+              <a:t>Bewegingen</a:t>
+            </a:r>
+            <a:endParaRPr lang="en-US" dirty="0" smtClean="0"/>
+          </a:p>
+          <a:p>
+            <a:r>
+              <a:rPr lang="en-US" dirty="0" err="1" smtClean="0"/>
+              <a:t>Berichten</a:t>
+            </a:r>
+            <a:r>
+              <a:rPr lang="en-US" dirty="0" smtClean="0"/>
+              <a:t> </a:t>
+            </a:r>
+            <a:r>
+              <a:rPr lang="en-US" dirty="0" err="1" smtClean="0"/>
+              <a:t>sturen</a:t>
+            </a:r>
+            <a:r>
+              <a:rPr lang="en-US" dirty="0" smtClean="0"/>
+              <a:t> </a:t>
+            </a:r>
+            <a:r>
+              <a:rPr lang="en-US" dirty="0" err="1" smtClean="0"/>
+              <a:t>tussen</a:t>
+            </a:r>
+            <a:r>
+              <a:rPr lang="en-US" dirty="0" smtClean="0"/>
+              <a:t> sprites</a:t>
+            </a:r>
+          </a:p>
+          <a:p>
+            <a:r>
+              <a:rPr lang="en-US" dirty="0" err="1" smtClean="0"/>
+              <a:t>Reageren</a:t>
+            </a:r>
+            <a:r>
+              <a:rPr lang="en-US" dirty="0" smtClean="0"/>
+              <a:t> op </a:t>
+            </a:r>
+            <a:r>
+              <a:rPr lang="en-US" dirty="0" err="1" smtClean="0"/>
+              <a:t>toetsen</a:t>
+            </a:r>
+            <a:endParaRPr lang="en-US" dirty="0" smtClean="0"/>
+          </a:p>
+          <a:p>
+            <a:r>
+              <a:rPr lang="en-US" dirty="0" smtClean="0"/>
+              <a:t>Je </a:t>
+            </a:r>
+            <a:r>
+              <a:rPr lang="en-US" dirty="0" err="1" smtClean="0"/>
+              <a:t>kunt</a:t>
+            </a:r>
+            <a:r>
+              <a:rPr lang="en-US" dirty="0" smtClean="0"/>
+              <a:t> het </a:t>
+            </a:r>
+            <a:r>
+              <a:rPr lang="en-US" dirty="0" err="1" smtClean="0"/>
+              <a:t>thuis</a:t>
+            </a:r>
+            <a:r>
+              <a:rPr lang="en-US" dirty="0" smtClean="0"/>
+              <a:t> </a:t>
+            </a:r>
+            <a:r>
+              <a:rPr lang="en-US" dirty="0" err="1" smtClean="0"/>
+              <a:t>ook</a:t>
+            </a:r>
+            <a:endParaRPr lang="en-US" dirty="0" smtClean="0"/>
+          </a:p>
+          <a:p>
+            <a:r>
+              <a:rPr lang="en-US" dirty="0" smtClean="0"/>
+              <a:t>Net </a:t>
+            </a:r>
+            <a:r>
+              <a:rPr lang="en-US" dirty="0" err="1" smtClean="0"/>
+              <a:t>zoals</a:t>
+            </a:r>
+            <a:r>
+              <a:rPr lang="en-US" dirty="0" smtClean="0"/>
+              <a:t> </a:t>
+            </a:r>
+            <a:r>
+              <a:rPr lang="en-US" dirty="0" err="1" smtClean="0"/>
+              <a:t>taal</a:t>
+            </a:r>
+            <a:r>
+              <a:rPr lang="en-US" dirty="0" smtClean="0"/>
+              <a:t> </a:t>
+            </a:r>
+            <a:r>
+              <a:rPr lang="en-US" dirty="0" err="1" smtClean="0"/>
+              <a:t>gebruikt</a:t>
+            </a:r>
+            <a:r>
+              <a:rPr lang="en-US" dirty="0" smtClean="0"/>
+              <a:t> </a:t>
+            </a:r>
+            <a:r>
+              <a:rPr lang="en-US" dirty="0" err="1" smtClean="0"/>
+              <a:t>wordt</a:t>
+            </a:r>
+            <a:r>
+              <a:rPr lang="en-US" dirty="0" smtClean="0"/>
+              <a:t> </a:t>
+            </a:r>
+            <a:r>
+              <a:rPr lang="en-US" dirty="0" err="1" smtClean="0"/>
+              <a:t>voor</a:t>
+            </a:r>
+            <a:r>
+              <a:rPr lang="en-US" dirty="0" smtClean="0"/>
+              <a:t> </a:t>
+            </a:r>
+            <a:r>
+              <a:rPr lang="en-US" dirty="0" err="1" smtClean="0"/>
+              <a:t>creativiteit</a:t>
+            </a:r>
+            <a:r>
+              <a:rPr lang="en-US" dirty="0" smtClean="0"/>
+              <a:t> (</a:t>
+            </a:r>
+            <a:r>
+              <a:rPr lang="en-US" dirty="0" err="1" smtClean="0"/>
+              <a:t>bijvoorbeeld</a:t>
+            </a:r>
+            <a:r>
+              <a:rPr lang="en-US" dirty="0" smtClean="0"/>
+              <a:t> </a:t>
+            </a:r>
+            <a:r>
+              <a:rPr lang="en-US" dirty="0" err="1" smtClean="0"/>
+              <a:t>gedichten</a:t>
+            </a:r>
+            <a:r>
+              <a:rPr lang="en-US" dirty="0" smtClean="0"/>
+              <a:t>) </a:t>
+            </a:r>
+            <a:r>
+              <a:rPr lang="en-US" dirty="0" err="1" smtClean="0"/>
+              <a:t>kan</a:t>
+            </a:r>
+            <a:r>
+              <a:rPr lang="en-US" dirty="0" smtClean="0"/>
+              <a:t> </a:t>
+            </a:r>
+            <a:r>
+              <a:rPr lang="en-US" dirty="0" err="1" smtClean="0"/>
+              <a:t>programmeren</a:t>
+            </a:r>
+            <a:r>
+              <a:rPr lang="en-US" dirty="0" smtClean="0"/>
+              <a:t> </a:t>
+            </a:r>
+            <a:r>
+              <a:rPr lang="en-US" dirty="0" err="1" smtClean="0"/>
+              <a:t>voor</a:t>
+            </a:r>
+            <a:r>
+              <a:rPr lang="en-US" dirty="0" smtClean="0"/>
+              <a:t> </a:t>
+            </a:r>
+            <a:r>
+              <a:rPr lang="en-US" dirty="0" err="1" smtClean="0"/>
+              <a:t>creativiteit</a:t>
+            </a:r>
+            <a:r>
+              <a:rPr lang="en-US" dirty="0" smtClean="0"/>
+              <a:t> </a:t>
+            </a:r>
+            <a:r>
+              <a:rPr lang="en-US" dirty="0" err="1" smtClean="0"/>
+              <a:t>gebruikt</a:t>
+            </a:r>
+            <a:r>
+              <a:rPr lang="en-US" dirty="0" smtClean="0"/>
+              <a:t> </a:t>
+            </a:r>
+            <a:r>
+              <a:rPr lang="en-US" dirty="0" err="1" smtClean="0"/>
+              <a:t>worden</a:t>
+            </a:r>
+            <a:r>
+              <a:rPr lang="nl-NL" dirty="0" smtClean="0"/>
+              <a:t> (bijvoorbeeld werkstukken voor school)</a:t>
+            </a:r>
+          </a:p>
+          <a:p>
+            <a:endParaRPr lang="en-US" dirty="0" smtClean="0"/>
+          </a:p>
+        </p:txBody>
+      </p:sp>
+    </p:spTree>
+  </p:cSld>
+  <p:clrMapOvr>
+    <a:masterClrMapping/>
+  </p:clrMapOvr>
+</p:sld>
+</file>
+
+<file path=ppt/slides/slide4.xml><?xml version="1.0" encoding="utf-8"?>
 <p:sld xmlns:a="http://schemas.openxmlformats.org/drawingml/2006/main" xmlns:r="http://schemas.openxmlformats.org/officeDocument/2006/relationships" xmlns:p="http://schemas.openxmlformats.org/presentationml/2006/main">
   <p:cSld>
     <p:spTree>
